--- a/presentation/8 march.pptx
+++ b/presentation/8 march.pptx
@@ -10,7 +10,8 @@
     <p:sldId id="258" r:id="rId4"/>
     <p:sldId id="260" r:id="rId5"/>
     <p:sldId id="259" r:id="rId6"/>
-    <p:sldId id="261" r:id="rId7"/>
+    <p:sldId id="262" r:id="rId7"/>
+    <p:sldId id="261" r:id="rId8"/>
   </p:sldIdLst>
   <p:sldSz cx="12192000" cy="6858000"/>
   <p:notesSz cx="6858000" cy="9144000"/>
@@ -109,6 +110,11 @@
       </a:defRPr>
     </a:lvl9pPr>
   </p:defaultTextStyle>
+  <p:extLst>
+    <p:ext uri="{EFAFB233-063F-42B5-8137-9DF3F51BA10A}">
+      <p15:sldGuideLst xmlns:p15="http://schemas.microsoft.com/office/powerpoint/2012/main"/>
+    </p:ext>
+  </p:extLst>
 </p:presentation>
 </file>
 
@@ -3052,13 +3058,13 @@
   <p:clrMapOvr>
     <a:masterClrMapping/>
   </p:clrMapOvr>
-  <mc:AlternateContent xmlns:mc="http://schemas.openxmlformats.org/markup-compatibility/2006">
-    <mc:Choice xmlns:p14="http://schemas.microsoft.com/office/powerpoint/2010/main" Requires="p14">
+  <mc:AlternateContent xmlns:mc="http://schemas.openxmlformats.org/markup-compatibility/2006" xmlns:p14="http://schemas.microsoft.com/office/powerpoint/2010/main">
+    <mc:Choice Requires="p14">
       <p:transition spd="slow" p14:dur="1600">
         <p14:conveyor dir="l"/>
       </p:transition>
     </mc:Choice>
-    <mc:Fallback>
+    <mc:Fallback xmlns="">
       <p:transition spd="slow">
         <p:fade/>
       </p:transition>
@@ -3264,13 +3270,13 @@
   <p:clrMapOvr>
     <a:masterClrMapping/>
   </p:clrMapOvr>
-  <mc:AlternateContent xmlns:mc="http://schemas.openxmlformats.org/markup-compatibility/2006">
-    <mc:Choice xmlns:p14="http://schemas.microsoft.com/office/powerpoint/2010/main" Requires="p14">
+  <mc:AlternateContent xmlns:mc="http://schemas.openxmlformats.org/markup-compatibility/2006" xmlns:p14="http://schemas.microsoft.com/office/powerpoint/2010/main">
+    <mc:Choice Requires="p14">
       <p:transition spd="slow" p14:dur="1300">
         <p14:pan dir="u"/>
       </p:transition>
     </mc:Choice>
-    <mc:Fallback>
+    <mc:Fallback xmlns="">
       <p:transition spd="slow">
         <p:fade/>
       </p:transition>
@@ -3684,13 +3690,13 @@
   <p:clrMapOvr>
     <a:masterClrMapping/>
   </p:clrMapOvr>
-  <mc:AlternateContent xmlns:mc="http://schemas.openxmlformats.org/markup-compatibility/2006">
-    <mc:Choice xmlns:p14="http://schemas.microsoft.com/office/powerpoint/2010/main" Requires="p14">
+  <mc:AlternateContent xmlns:mc="http://schemas.openxmlformats.org/markup-compatibility/2006" xmlns:p14="http://schemas.microsoft.com/office/powerpoint/2010/main">
+    <mc:Choice Requires="p14">
       <p:transition spd="slow" p14:dur="1250">
         <p14:switch dir="r"/>
       </p:transition>
     </mc:Choice>
-    <mc:Fallback>
+    <mc:Fallback xmlns="">
       <p:transition spd="slow">
         <p:fade/>
       </p:transition>
@@ -3968,13 +3974,13 @@
   <p:clrMapOvr>
     <a:masterClrMapping/>
   </p:clrMapOvr>
-  <mc:AlternateContent xmlns:mc="http://schemas.openxmlformats.org/markup-compatibility/2006">
-    <mc:Choice xmlns:p14="http://schemas.microsoft.com/office/powerpoint/2010/main" Requires="p14">
+  <mc:AlternateContent xmlns:mc="http://schemas.openxmlformats.org/markup-compatibility/2006" xmlns:p14="http://schemas.microsoft.com/office/powerpoint/2010/main">
+    <mc:Choice Requires="p14">
       <p:transition spd="slow" p14:dur="1250">
         <p14:flip dir="r"/>
       </p:transition>
     </mc:Choice>
-    <mc:Fallback>
+    <mc:Fallback xmlns="">
       <p:transition spd="slow">
         <p:fade/>
       </p:transition>
@@ -4005,6 +4011,231 @@
           <p:cNvPr id="2" name="Заголовок 1">
             <a:extLst>
               <a:ext uri="{FF2B5EF4-FFF2-40B4-BE49-F238E27FC236}">
+                <a16:creationId xmlns:a16="http://schemas.microsoft.com/office/drawing/2014/main" id="{62447552-6844-D7CC-B3BF-E258F4CB7F26}"/>
+              </a:ext>
+            </a:extLst>
+          </p:cNvPr>
+          <p:cNvSpPr>
+            <a:spLocks noGrp="1"/>
+          </p:cNvSpPr>
+          <p:nvPr>
+            <p:ph type="title"/>
+          </p:nvPr>
+        </p:nvSpPr>
+        <p:spPr/>
+        <p:txBody>
+          <a:bodyPr/>
+          <a:lstStyle/>
+          <a:p>
+            <a:r>
+              <a:rPr lang="ru-RU" dirty="0"/>
+              <a:t>Попробовать прямо сейчас</a:t>
+            </a:r>
+          </a:p>
+        </p:txBody>
+      </p:sp>
+      <p:pic>
+        <p:nvPicPr>
+          <p:cNvPr id="5" name="Рисунок 4">
+            <a:extLst>
+              <a:ext uri="{FF2B5EF4-FFF2-40B4-BE49-F238E27FC236}">
+                <a16:creationId xmlns:a16="http://schemas.microsoft.com/office/drawing/2014/main" id="{1CA76E30-B602-E758-29AF-850CFC2B2F34}"/>
+              </a:ext>
+            </a:extLst>
+          </p:cNvPr>
+          <p:cNvPicPr>
+            <a:picLocks noChangeAspect="1"/>
+          </p:cNvPicPr>
+          <p:nvPr/>
+        </p:nvPicPr>
+        <p:blipFill>
+          <a:blip r:embed="rId2">
+            <a:extLst>
+              <a:ext uri="{28A0092B-C50C-407E-A947-70E740481C1C}">
+                <a14:useLocalDpi xmlns:a14="http://schemas.microsoft.com/office/drawing/2010/main" val="0"/>
+              </a:ext>
+            </a:extLst>
+          </a:blip>
+          <a:stretch>
+            <a:fillRect/>
+          </a:stretch>
+        </p:blipFill>
+        <p:spPr>
+          <a:xfrm>
+            <a:off x="838200" y="1561083"/>
+            <a:ext cx="4286250" cy="4286250"/>
+          </a:xfrm>
+          <a:prstGeom prst="rect">
+            <a:avLst/>
+          </a:prstGeom>
+        </p:spPr>
+      </p:pic>
+      <p:sp>
+        <p:nvSpPr>
+          <p:cNvPr id="6" name="TextBox 5">
+            <a:extLst>
+              <a:ext uri="{FF2B5EF4-FFF2-40B4-BE49-F238E27FC236}">
+                <a16:creationId xmlns:a16="http://schemas.microsoft.com/office/drawing/2014/main" id="{CBB9C066-492E-7B18-FB64-3C75F71C827A}"/>
+              </a:ext>
+            </a:extLst>
+          </p:cNvPr>
+          <p:cNvSpPr txBox="1"/>
+          <p:nvPr/>
+        </p:nvSpPr>
+        <p:spPr>
+          <a:xfrm>
+            <a:off x="1176568" y="6123543"/>
+            <a:ext cx="3609513" cy="369332"/>
+          </a:xfrm>
+          <a:prstGeom prst="rect">
+            <a:avLst/>
+          </a:prstGeom>
+          <a:noFill/>
+        </p:spPr>
+        <p:txBody>
+          <a:bodyPr wrap="square" rtlCol="0">
+            <a:spAutoFit/>
+          </a:bodyPr>
+          <a:lstStyle/>
+          <a:p>
+            <a:r>
+              <a:rPr lang="en-US" dirty="0"/>
+              <a:t>QR-</a:t>
+            </a:r>
+            <a:r>
+              <a:rPr lang="ru-RU" dirty="0"/>
+              <a:t>код на основную страницу</a:t>
+            </a:r>
+          </a:p>
+        </p:txBody>
+      </p:sp>
+      <p:pic>
+        <p:nvPicPr>
+          <p:cNvPr id="8" name="Рисунок 7">
+            <a:extLst>
+              <a:ext uri="{FF2B5EF4-FFF2-40B4-BE49-F238E27FC236}">
+                <a16:creationId xmlns:a16="http://schemas.microsoft.com/office/drawing/2014/main" id="{886AD329-29D3-4D5E-09E0-60CB151773AC}"/>
+              </a:ext>
+            </a:extLst>
+          </p:cNvPr>
+          <p:cNvPicPr>
+            <a:picLocks noChangeAspect="1"/>
+          </p:cNvPicPr>
+          <p:nvPr/>
+        </p:nvPicPr>
+        <p:blipFill>
+          <a:blip r:embed="rId3">
+            <a:extLst>
+              <a:ext uri="{28A0092B-C50C-407E-A947-70E740481C1C}">
+                <a14:useLocalDpi xmlns:a14="http://schemas.microsoft.com/office/drawing/2010/main" val="0"/>
+              </a:ext>
+            </a:extLst>
+          </a:blip>
+          <a:stretch>
+            <a:fillRect/>
+          </a:stretch>
+        </p:blipFill>
+        <p:spPr>
+          <a:xfrm>
+            <a:off x="7067550" y="1561083"/>
+            <a:ext cx="4286250" cy="4286250"/>
+          </a:xfrm>
+          <a:prstGeom prst="rect">
+            <a:avLst/>
+          </a:prstGeom>
+        </p:spPr>
+      </p:pic>
+      <p:sp>
+        <p:nvSpPr>
+          <p:cNvPr id="9" name="TextBox 8">
+            <a:extLst>
+              <a:ext uri="{FF2B5EF4-FFF2-40B4-BE49-F238E27FC236}">
+                <a16:creationId xmlns:a16="http://schemas.microsoft.com/office/drawing/2014/main" id="{3C908775-0EF7-1B78-19A8-73F842EE1493}"/>
+              </a:ext>
+            </a:extLst>
+          </p:cNvPr>
+          <p:cNvSpPr txBox="1"/>
+          <p:nvPr/>
+        </p:nvSpPr>
+        <p:spPr>
+          <a:xfrm>
+            <a:off x="7841421" y="6123543"/>
+            <a:ext cx="2738507" cy="369332"/>
+          </a:xfrm>
+          <a:prstGeom prst="rect">
+            <a:avLst/>
+          </a:prstGeom>
+          <a:noFill/>
+        </p:spPr>
+        <p:txBody>
+          <a:bodyPr wrap="none" rtlCol="0">
+            <a:spAutoFit/>
+          </a:bodyPr>
+          <a:lstStyle/>
+          <a:p>
+            <a:r>
+              <a:rPr lang="en-US" dirty="0"/>
+              <a:t>QR-</a:t>
+            </a:r>
+            <a:r>
+              <a:rPr lang="ru-RU" dirty="0"/>
+              <a:t>код на бота в </a:t>
+            </a:r>
+            <a:r>
+              <a:rPr lang="en-US" dirty="0"/>
+              <a:t>Telegram</a:t>
+            </a:r>
+            <a:endParaRPr lang="ru-RU" dirty="0"/>
+          </a:p>
+        </p:txBody>
+      </p:sp>
+    </p:spTree>
+    <p:extLst>
+      <p:ext uri="{BB962C8B-B14F-4D97-AF65-F5344CB8AC3E}">
+        <p14:creationId xmlns:p14="http://schemas.microsoft.com/office/powerpoint/2010/main" val="2945950822"/>
+      </p:ext>
+    </p:extLst>
+  </p:cSld>
+  <p:clrMapOvr>
+    <a:masterClrMapping/>
+  </p:clrMapOvr>
+  <mc:AlternateContent xmlns:mc="http://schemas.openxmlformats.org/markup-compatibility/2006">
+    <mc:Choice xmlns:p14="http://schemas.microsoft.com/office/powerpoint/2010/main" Requires="p14">
+      <p:transition spd="slow" p14:dur="1600">
+        <p14:prism isInverted="1"/>
+      </p:transition>
+    </mc:Choice>
+    <mc:Fallback>
+      <p:transition spd="slow">
+        <p:fade/>
+      </p:transition>
+    </mc:Fallback>
+  </mc:AlternateContent>
+</p:sld>
+</file>
+
+<file path=ppt/slides/slide7.xml><?xml version="1.0" encoding="utf-8"?>
+<p:sld xmlns:a="http://schemas.openxmlformats.org/drawingml/2006/main" xmlns:r="http://schemas.openxmlformats.org/officeDocument/2006/relationships" xmlns:p="http://schemas.openxmlformats.org/presentationml/2006/main">
+  <p:cSld>
+    <p:spTree>
+      <p:nvGrpSpPr>
+        <p:cNvPr id="1" name=""/>
+        <p:cNvGrpSpPr/>
+        <p:nvPr/>
+      </p:nvGrpSpPr>
+      <p:grpSpPr>
+        <a:xfrm>
+          <a:off x="0" y="0"/>
+          <a:ext cx="0" cy="0"/>
+          <a:chOff x="0" y="0"/>
+          <a:chExt cx="0" cy="0"/>
+        </a:xfrm>
+      </p:grpSpPr>
+      <p:sp>
+        <p:nvSpPr>
+          <p:cNvPr id="2" name="Заголовок 1">
+            <a:extLst>
+              <a:ext uri="{FF2B5EF4-FFF2-40B4-BE49-F238E27FC236}">
                 <a16:creationId xmlns:a16="http://schemas.microsoft.com/office/drawing/2014/main" id="{C21AE228-DB27-B7C0-20E0-9CF53DF35CAC}"/>
               </a:ext>
             </a:extLst>
@@ -4045,13 +4276,13 @@
   <p:clrMapOvr>
     <a:masterClrMapping/>
   </p:clrMapOvr>
-  <mc:AlternateContent xmlns:mc="http://schemas.openxmlformats.org/markup-compatibility/2006">
-    <mc:Choice xmlns:p14="http://schemas.microsoft.com/office/powerpoint/2010/main" Requires="p14">
+  <mc:AlternateContent xmlns:mc="http://schemas.openxmlformats.org/markup-compatibility/2006" xmlns:p14="http://schemas.microsoft.com/office/powerpoint/2010/main">
+    <mc:Choice Requires="p14">
       <p:transition spd="slow" p14:dur="1400">
         <p14:doors dir="vert"/>
       </p:transition>
     </mc:Choice>
-    <mc:Fallback>
+    <mc:Fallback xmlns="">
       <p:transition spd="slow">
         <p:fade/>
       </p:transition>

--- a/presentation/8 march.pptx
+++ b/presentation/8 march.pptx
@@ -249,7 +249,7 @@
           <a:p>
             <a:fld id="{656C6428-2391-4859-90C7-96FC83E189BB}" type="datetimeFigureOut">
               <a:rPr lang="ru-RU" smtClean="0"/>
-              <a:t>26.02.2023</a:t>
+              <a:t>27.02.2023</a:t>
             </a:fld>
             <a:endParaRPr lang="ru-RU"/>
           </a:p>
@@ -419,7 +419,7 @@
           <a:p>
             <a:fld id="{656C6428-2391-4859-90C7-96FC83E189BB}" type="datetimeFigureOut">
               <a:rPr lang="ru-RU" smtClean="0"/>
-              <a:t>26.02.2023</a:t>
+              <a:t>27.02.2023</a:t>
             </a:fld>
             <a:endParaRPr lang="ru-RU"/>
           </a:p>
@@ -599,7 +599,7 @@
           <a:p>
             <a:fld id="{656C6428-2391-4859-90C7-96FC83E189BB}" type="datetimeFigureOut">
               <a:rPr lang="ru-RU" smtClean="0"/>
-              <a:t>26.02.2023</a:t>
+              <a:t>27.02.2023</a:t>
             </a:fld>
             <a:endParaRPr lang="ru-RU"/>
           </a:p>
@@ -769,7 +769,7 @@
           <a:p>
             <a:fld id="{656C6428-2391-4859-90C7-96FC83E189BB}" type="datetimeFigureOut">
               <a:rPr lang="ru-RU" smtClean="0"/>
-              <a:t>26.02.2023</a:t>
+              <a:t>27.02.2023</a:t>
             </a:fld>
             <a:endParaRPr lang="ru-RU"/>
           </a:p>
@@ -1015,7 +1015,7 @@
           <a:p>
             <a:fld id="{656C6428-2391-4859-90C7-96FC83E189BB}" type="datetimeFigureOut">
               <a:rPr lang="ru-RU" smtClean="0"/>
-              <a:t>26.02.2023</a:t>
+              <a:t>27.02.2023</a:t>
             </a:fld>
             <a:endParaRPr lang="ru-RU"/>
           </a:p>
@@ -1247,7 +1247,7 @@
           <a:p>
             <a:fld id="{656C6428-2391-4859-90C7-96FC83E189BB}" type="datetimeFigureOut">
               <a:rPr lang="ru-RU" smtClean="0"/>
-              <a:t>26.02.2023</a:t>
+              <a:t>27.02.2023</a:t>
             </a:fld>
             <a:endParaRPr lang="ru-RU"/>
           </a:p>
@@ -1614,7 +1614,7 @@
           <a:p>
             <a:fld id="{656C6428-2391-4859-90C7-96FC83E189BB}" type="datetimeFigureOut">
               <a:rPr lang="ru-RU" smtClean="0"/>
-              <a:t>26.02.2023</a:t>
+              <a:t>27.02.2023</a:t>
             </a:fld>
             <a:endParaRPr lang="ru-RU"/>
           </a:p>
@@ -1732,7 +1732,7 @@
           <a:p>
             <a:fld id="{656C6428-2391-4859-90C7-96FC83E189BB}" type="datetimeFigureOut">
               <a:rPr lang="ru-RU" smtClean="0"/>
-              <a:t>26.02.2023</a:t>
+              <a:t>27.02.2023</a:t>
             </a:fld>
             <a:endParaRPr lang="ru-RU"/>
           </a:p>
@@ -1827,7 +1827,7 @@
           <a:p>
             <a:fld id="{656C6428-2391-4859-90C7-96FC83E189BB}" type="datetimeFigureOut">
               <a:rPr lang="ru-RU" smtClean="0"/>
-              <a:t>26.02.2023</a:t>
+              <a:t>27.02.2023</a:t>
             </a:fld>
             <a:endParaRPr lang="ru-RU"/>
           </a:p>
@@ -2104,7 +2104,7 @@
           <a:p>
             <a:fld id="{656C6428-2391-4859-90C7-96FC83E189BB}" type="datetimeFigureOut">
               <a:rPr lang="ru-RU" smtClean="0"/>
-              <a:t>26.02.2023</a:t>
+              <a:t>27.02.2023</a:t>
             </a:fld>
             <a:endParaRPr lang="ru-RU"/>
           </a:p>
@@ -2361,7 +2361,7 @@
           <a:p>
             <a:fld id="{656C6428-2391-4859-90C7-96FC83E189BB}" type="datetimeFigureOut">
               <a:rPr lang="ru-RU" smtClean="0"/>
-              <a:t>26.02.2023</a:t>
+              <a:t>27.02.2023</a:t>
             </a:fld>
             <a:endParaRPr lang="ru-RU"/>
           </a:p>
@@ -2574,7 +2574,7 @@
           <a:p>
             <a:fld id="{656C6428-2391-4859-90C7-96FC83E189BB}" type="datetimeFigureOut">
               <a:rPr lang="ru-RU" smtClean="0"/>
-              <a:t>26.02.2023</a:t>
+              <a:t>27.02.2023</a:t>
             </a:fld>
             <a:endParaRPr lang="ru-RU"/>
           </a:p>
@@ -4034,12 +4034,51 @@
           </a:p>
         </p:txBody>
       </p:sp>
+      <p:sp>
+        <p:nvSpPr>
+          <p:cNvPr id="6" name="TextBox 5">
+            <a:extLst>
+              <a:ext uri="{FF2B5EF4-FFF2-40B4-BE49-F238E27FC236}">
+                <a16:creationId xmlns:a16="http://schemas.microsoft.com/office/drawing/2014/main" id="{CBB9C066-492E-7B18-FB64-3C75F71C827A}"/>
+              </a:ext>
+            </a:extLst>
+          </p:cNvPr>
+          <p:cNvSpPr txBox="1"/>
+          <p:nvPr/>
+        </p:nvSpPr>
+        <p:spPr>
+          <a:xfrm>
+            <a:off x="1176568" y="6123543"/>
+            <a:ext cx="3609513" cy="369332"/>
+          </a:xfrm>
+          <a:prstGeom prst="rect">
+            <a:avLst/>
+          </a:prstGeom>
+          <a:noFill/>
+        </p:spPr>
+        <p:txBody>
+          <a:bodyPr wrap="square" rtlCol="0">
+            <a:spAutoFit/>
+          </a:bodyPr>
+          <a:lstStyle/>
+          <a:p>
+            <a:r>
+              <a:rPr lang="en-US" dirty="0"/>
+              <a:t>QR-</a:t>
+            </a:r>
+            <a:r>
+              <a:rPr lang="ru-RU" dirty="0"/>
+              <a:t>код на основную страницу</a:t>
+            </a:r>
+          </a:p>
+        </p:txBody>
+      </p:sp>
       <p:pic>
         <p:nvPicPr>
-          <p:cNvPr id="5" name="Рисунок 4">
+          <p:cNvPr id="8" name="Рисунок 7">
             <a:extLst>
               <a:ext uri="{FF2B5EF4-FFF2-40B4-BE49-F238E27FC236}">
-                <a16:creationId xmlns:a16="http://schemas.microsoft.com/office/drawing/2014/main" id="{1CA76E30-B602-E758-29AF-850CFC2B2F34}"/>
+                <a16:creationId xmlns:a16="http://schemas.microsoft.com/office/drawing/2014/main" id="{886AD329-29D3-4D5E-09E0-60CB151773AC}"/>
               </a:ext>
             </a:extLst>
           </p:cNvPr>
@@ -4062,7 +4101,7 @@
         </p:blipFill>
         <p:spPr>
           <a:xfrm>
-            <a:off x="838200" y="1561083"/>
+            <a:off x="7067550" y="1561083"/>
             <a:ext cx="4286250" cy="4286250"/>
           </a:xfrm>
           <a:prstGeom prst="rect">
@@ -4072,10 +4111,10 @@
       </p:pic>
       <p:sp>
         <p:nvSpPr>
-          <p:cNvPr id="6" name="TextBox 5">
+          <p:cNvPr id="9" name="TextBox 8">
             <a:extLst>
               <a:ext uri="{FF2B5EF4-FFF2-40B4-BE49-F238E27FC236}">
-                <a16:creationId xmlns:a16="http://schemas.microsoft.com/office/drawing/2014/main" id="{CBB9C066-492E-7B18-FB64-3C75F71C827A}"/>
+                <a16:creationId xmlns:a16="http://schemas.microsoft.com/office/drawing/2014/main" id="{3C908775-0EF7-1B78-19A8-73F842EE1493}"/>
               </a:ext>
             </a:extLst>
           </p:cNvPr>
@@ -4084,8 +4123,8 @@
         </p:nvSpPr>
         <p:spPr>
           <a:xfrm>
-            <a:off x="1176568" y="6123543"/>
-            <a:ext cx="3609513" cy="369332"/>
+            <a:off x="7841421" y="6123543"/>
+            <a:ext cx="2738507" cy="369332"/>
           </a:xfrm>
           <a:prstGeom prst="rect">
             <a:avLst/>
@@ -4093,7 +4132,7 @@
           <a:noFill/>
         </p:spPr>
         <p:txBody>
-          <a:bodyPr wrap="square" rtlCol="0">
+          <a:bodyPr wrap="none" rtlCol="0">
             <a:spAutoFit/>
           </a:bodyPr>
           <a:lstStyle/>
@@ -4104,17 +4143,22 @@
             </a:r>
             <a:r>
               <a:rPr lang="ru-RU" dirty="0"/>
-              <a:t>код на основную страницу</a:t>
-            </a:r>
+              <a:t>код на бота в </a:t>
+            </a:r>
+            <a:r>
+              <a:rPr lang="en-US" dirty="0"/>
+              <a:t>Telegram</a:t>
+            </a:r>
+            <a:endParaRPr lang="ru-RU" dirty="0"/>
           </a:p>
         </p:txBody>
       </p:sp>
       <p:pic>
         <p:nvPicPr>
-          <p:cNvPr id="8" name="Рисунок 7">
+          <p:cNvPr id="4" name="Рисунок 3">
             <a:extLst>
               <a:ext uri="{FF2B5EF4-FFF2-40B4-BE49-F238E27FC236}">
-                <a16:creationId xmlns:a16="http://schemas.microsoft.com/office/drawing/2014/main" id="{886AD329-29D3-4D5E-09E0-60CB151773AC}"/>
+                <a16:creationId xmlns:a16="http://schemas.microsoft.com/office/drawing/2014/main" id="{8B2F20F5-91AB-DC3E-CD7E-5ED3FFF9B4D7}"/>
               </a:ext>
             </a:extLst>
           </p:cNvPr>
@@ -4137,7 +4181,7 @@
         </p:blipFill>
         <p:spPr>
           <a:xfrm>
-            <a:off x="7067550" y="1561083"/>
+            <a:off x="838199" y="1561083"/>
             <a:ext cx="4286250" cy="4286250"/>
           </a:xfrm>
           <a:prstGeom prst="rect">
@@ -4145,50 +4189,6 @@
           </a:prstGeom>
         </p:spPr>
       </p:pic>
-      <p:sp>
-        <p:nvSpPr>
-          <p:cNvPr id="9" name="TextBox 8">
-            <a:extLst>
-              <a:ext uri="{FF2B5EF4-FFF2-40B4-BE49-F238E27FC236}">
-                <a16:creationId xmlns:a16="http://schemas.microsoft.com/office/drawing/2014/main" id="{3C908775-0EF7-1B78-19A8-73F842EE1493}"/>
-              </a:ext>
-            </a:extLst>
-          </p:cNvPr>
-          <p:cNvSpPr txBox="1"/>
-          <p:nvPr/>
-        </p:nvSpPr>
-        <p:spPr>
-          <a:xfrm>
-            <a:off x="7841421" y="6123543"/>
-            <a:ext cx="2738507" cy="369332"/>
-          </a:xfrm>
-          <a:prstGeom prst="rect">
-            <a:avLst/>
-          </a:prstGeom>
-          <a:noFill/>
-        </p:spPr>
-        <p:txBody>
-          <a:bodyPr wrap="none" rtlCol="0">
-            <a:spAutoFit/>
-          </a:bodyPr>
-          <a:lstStyle/>
-          <a:p>
-            <a:r>
-              <a:rPr lang="en-US" dirty="0"/>
-              <a:t>QR-</a:t>
-            </a:r>
-            <a:r>
-              <a:rPr lang="ru-RU" dirty="0"/>
-              <a:t>код на бота в </a:t>
-            </a:r>
-            <a:r>
-              <a:rPr lang="en-US" dirty="0"/>
-              <a:t>Telegram</a:t>
-            </a:r>
-            <a:endParaRPr lang="ru-RU" dirty="0"/>
-          </a:p>
-        </p:txBody>
-      </p:sp>
     </p:spTree>
     <p:extLst>
       <p:ext uri="{BB962C8B-B14F-4D97-AF65-F5344CB8AC3E}">
@@ -4199,13 +4199,13 @@
   <p:clrMapOvr>
     <a:masterClrMapping/>
   </p:clrMapOvr>
-  <mc:AlternateContent xmlns:mc="http://schemas.openxmlformats.org/markup-compatibility/2006">
-    <mc:Choice xmlns:p14="http://schemas.microsoft.com/office/powerpoint/2010/main" Requires="p14">
+  <mc:AlternateContent xmlns:mc="http://schemas.openxmlformats.org/markup-compatibility/2006" xmlns:p14="http://schemas.microsoft.com/office/powerpoint/2010/main">
+    <mc:Choice Requires="p14">
       <p:transition spd="slow" p14:dur="1600">
         <p14:prism isInverted="1"/>
       </p:transition>
     </mc:Choice>
-    <mc:Fallback>
+    <mc:Fallback xmlns="">
       <p:transition spd="slow">
         <p:fade/>
       </p:transition>

--- a/presentation/8 march.pptx
+++ b/presentation/8 march.pptx
@@ -9,9 +9,10 @@
     <p:sldId id="257" r:id="rId3"/>
     <p:sldId id="258" r:id="rId4"/>
     <p:sldId id="260" r:id="rId5"/>
-    <p:sldId id="259" r:id="rId6"/>
-    <p:sldId id="262" r:id="rId7"/>
-    <p:sldId id="261" r:id="rId8"/>
+    <p:sldId id="263" r:id="rId6"/>
+    <p:sldId id="259" r:id="rId7"/>
+    <p:sldId id="262" r:id="rId8"/>
+    <p:sldId id="261" r:id="rId9"/>
   </p:sldIdLst>
   <p:sldSz cx="12192000" cy="6858000"/>
   <p:notesSz cx="6858000" cy="9144000"/>
@@ -3727,6 +3728,112 @@
           <p:cNvPr id="2" name="Заголовок 1">
             <a:extLst>
               <a:ext uri="{FF2B5EF4-FFF2-40B4-BE49-F238E27FC236}">
+                <a16:creationId xmlns:a16="http://schemas.microsoft.com/office/drawing/2014/main" id="{CBB82B21-34CC-6FC3-C9AA-3FE8CC29E98A}"/>
+              </a:ext>
+            </a:extLst>
+          </p:cNvPr>
+          <p:cNvSpPr>
+            <a:spLocks noGrp="1"/>
+          </p:cNvSpPr>
+          <p:nvPr>
+            <p:ph type="title"/>
+          </p:nvPr>
+        </p:nvSpPr>
+        <p:spPr/>
+        <p:txBody>
+          <a:bodyPr/>
+          <a:lstStyle/>
+          <a:p>
+            <a:r>
+              <a:rPr lang="ru-RU" dirty="0"/>
+              <a:t>Конструктор открыток</a:t>
+            </a:r>
+          </a:p>
+        </p:txBody>
+      </p:sp>
+      <p:pic>
+        <p:nvPicPr>
+          <p:cNvPr id="5" name="Рисунок 4">
+            <a:extLst>
+              <a:ext uri="{FF2B5EF4-FFF2-40B4-BE49-F238E27FC236}">
+                <a16:creationId xmlns:a16="http://schemas.microsoft.com/office/drawing/2014/main" id="{23B9D2B6-CB14-F70F-5223-8E024E0CE294}"/>
+              </a:ext>
+            </a:extLst>
+          </p:cNvPr>
+          <p:cNvPicPr>
+            <a:picLocks noChangeAspect="1"/>
+          </p:cNvPicPr>
+          <p:nvPr/>
+        </p:nvPicPr>
+        <p:blipFill>
+          <a:blip r:embed="rId2">
+            <a:extLst>
+              <a:ext uri="{28A0092B-C50C-407E-A947-70E740481C1C}">
+                <a14:useLocalDpi xmlns:a14="http://schemas.microsoft.com/office/drawing/2010/main" val="0"/>
+              </a:ext>
+            </a:extLst>
+          </a:blip>
+          <a:stretch>
+            <a:fillRect/>
+          </a:stretch>
+        </p:blipFill>
+        <p:spPr>
+          <a:xfrm>
+            <a:off x="838200" y="1690688"/>
+            <a:ext cx="10515599" cy="4976975"/>
+          </a:xfrm>
+          <a:prstGeom prst="rect">
+            <a:avLst/>
+          </a:prstGeom>
+        </p:spPr>
+      </p:pic>
+    </p:spTree>
+    <p:extLst>
+      <p:ext uri="{BB962C8B-B14F-4D97-AF65-F5344CB8AC3E}">
+        <p14:creationId xmlns:p14="http://schemas.microsoft.com/office/powerpoint/2010/main" val="610556888"/>
+      </p:ext>
+    </p:extLst>
+  </p:cSld>
+  <p:clrMapOvr>
+    <a:masterClrMapping/>
+  </p:clrMapOvr>
+  <mc:AlternateContent xmlns:mc="http://schemas.openxmlformats.org/markup-compatibility/2006">
+    <mc:Choice xmlns:p14="http://schemas.microsoft.com/office/powerpoint/2010/main" Requires="p14">
+      <p:transition spd="slow" p14:dur="2000">
+        <p14:prism isContent="1"/>
+      </p:transition>
+    </mc:Choice>
+    <mc:Fallback>
+      <p:transition spd="slow">
+        <p:fade/>
+      </p:transition>
+    </mc:Fallback>
+  </mc:AlternateContent>
+</p:sld>
+</file>
+
+<file path=ppt/slides/slide6.xml><?xml version="1.0" encoding="utf-8"?>
+<p:sld xmlns:a="http://schemas.openxmlformats.org/drawingml/2006/main" xmlns:r="http://schemas.openxmlformats.org/officeDocument/2006/relationships" xmlns:p="http://schemas.openxmlformats.org/presentationml/2006/main">
+  <p:cSld>
+    <p:spTree>
+      <p:nvGrpSpPr>
+        <p:cNvPr id="1" name=""/>
+        <p:cNvGrpSpPr/>
+        <p:nvPr/>
+      </p:nvGrpSpPr>
+      <p:grpSpPr>
+        <a:xfrm>
+          <a:off x="0" y="0"/>
+          <a:ext cx="0" cy="0"/>
+          <a:chOff x="0" y="0"/>
+          <a:chExt cx="0" cy="0"/>
+        </a:xfrm>
+      </p:grpSpPr>
+      <p:sp>
+        <p:nvSpPr>
+          <p:cNvPr id="2" name="Заголовок 1">
+            <a:extLst>
+              <a:ext uri="{FF2B5EF4-FFF2-40B4-BE49-F238E27FC236}">
                 <a16:creationId xmlns:a16="http://schemas.microsoft.com/office/drawing/2014/main" id="{9ED14A4C-B858-3468-0993-41A8EE573373}"/>
               </a:ext>
             </a:extLst>
@@ -3989,7 +4096,7 @@
 </p:sld>
 </file>
 
-<file path=ppt/slides/slide6.xml><?xml version="1.0" encoding="utf-8"?>
+<file path=ppt/slides/slide7.xml><?xml version="1.0" encoding="utf-8"?>
 <p:sld xmlns:a="http://schemas.openxmlformats.org/drawingml/2006/main" xmlns:r="http://schemas.openxmlformats.org/officeDocument/2006/relationships" xmlns:p="http://schemas.openxmlformats.org/presentationml/2006/main">
   <p:cSld>
     <p:spTree>
@@ -4214,7 +4321,7 @@
 </p:sld>
 </file>
 
-<file path=ppt/slides/slide7.xml><?xml version="1.0" encoding="utf-8"?>
+<file path=ppt/slides/slide8.xml><?xml version="1.0" encoding="utf-8"?>
 <p:sld xmlns:a="http://schemas.openxmlformats.org/drawingml/2006/main" xmlns:r="http://schemas.openxmlformats.org/officeDocument/2006/relationships" xmlns:p="http://schemas.openxmlformats.org/presentationml/2006/main">
   <p:cSld>
     <p:spTree>
